--- a/session6/1.slides/sesion6 - muestreo.pptx
+++ b/session6/1.slides/sesion6 - muestreo.pptx
@@ -235,7 +235,7 @@
           <a:p>
             <a:fld id="{098A5763-2C93-1A4C-A43A-17FEFCEC94F8}" type="datetimeFigureOut">
               <a:rPr lang="es-PE" smtClean="0"/>
-              <a:t>5/05/2024</a:t>
+              <a:t>1/06/2024</a:t>
             </a:fld>
             <a:endParaRPr lang="es-PE"/>
           </a:p>
@@ -826,7 +826,7 @@
           <a:p>
             <a:fld id="{5E98234E-AB26-F447-9F8E-70572F4B0FD7}" type="datetimeFigureOut">
               <a:rPr lang="es-PE" smtClean="0"/>
-              <a:t>5/05/2024</a:t>
+              <a:t>1/06/2024</a:t>
             </a:fld>
             <a:endParaRPr lang="es-PE"/>
           </a:p>
@@ -996,7 +996,7 @@
           <a:p>
             <a:fld id="{5E98234E-AB26-F447-9F8E-70572F4B0FD7}" type="datetimeFigureOut">
               <a:rPr lang="es-PE" smtClean="0"/>
-              <a:t>5/05/2024</a:t>
+              <a:t>1/06/2024</a:t>
             </a:fld>
             <a:endParaRPr lang="es-PE"/>
           </a:p>
@@ -1176,7 +1176,7 @@
           <a:p>
             <a:fld id="{5E98234E-AB26-F447-9F8E-70572F4B0FD7}" type="datetimeFigureOut">
               <a:rPr lang="es-PE" smtClean="0"/>
-              <a:t>5/05/2024</a:t>
+              <a:t>1/06/2024</a:t>
             </a:fld>
             <a:endParaRPr lang="es-PE"/>
           </a:p>
@@ -1346,7 +1346,7 @@
           <a:p>
             <a:fld id="{5E98234E-AB26-F447-9F8E-70572F4B0FD7}" type="datetimeFigureOut">
               <a:rPr lang="es-PE" smtClean="0"/>
-              <a:t>5/05/2024</a:t>
+              <a:t>1/06/2024</a:t>
             </a:fld>
             <a:endParaRPr lang="es-PE"/>
           </a:p>
@@ -1592,7 +1592,7 @@
           <a:p>
             <a:fld id="{5E98234E-AB26-F447-9F8E-70572F4B0FD7}" type="datetimeFigureOut">
               <a:rPr lang="es-PE" smtClean="0"/>
-              <a:t>5/05/2024</a:t>
+              <a:t>1/06/2024</a:t>
             </a:fld>
             <a:endParaRPr lang="es-PE"/>
           </a:p>
@@ -1824,7 +1824,7 @@
           <a:p>
             <a:fld id="{5E98234E-AB26-F447-9F8E-70572F4B0FD7}" type="datetimeFigureOut">
               <a:rPr lang="es-PE" smtClean="0"/>
-              <a:t>5/05/2024</a:t>
+              <a:t>1/06/2024</a:t>
             </a:fld>
             <a:endParaRPr lang="es-PE"/>
           </a:p>
@@ -2191,7 +2191,7 @@
           <a:p>
             <a:fld id="{5E98234E-AB26-F447-9F8E-70572F4B0FD7}" type="datetimeFigureOut">
               <a:rPr lang="es-PE" smtClean="0"/>
-              <a:t>5/05/2024</a:t>
+              <a:t>1/06/2024</a:t>
             </a:fld>
             <a:endParaRPr lang="es-PE"/>
           </a:p>
@@ -2309,7 +2309,7 @@
           <a:p>
             <a:fld id="{5E98234E-AB26-F447-9F8E-70572F4B0FD7}" type="datetimeFigureOut">
               <a:rPr lang="es-PE" smtClean="0"/>
-              <a:t>5/05/2024</a:t>
+              <a:t>1/06/2024</a:t>
             </a:fld>
             <a:endParaRPr lang="es-PE"/>
           </a:p>
@@ -2404,7 +2404,7 @@
           <a:p>
             <a:fld id="{5E98234E-AB26-F447-9F8E-70572F4B0FD7}" type="datetimeFigureOut">
               <a:rPr lang="es-PE" smtClean="0"/>
-              <a:t>5/05/2024</a:t>
+              <a:t>1/06/2024</a:t>
             </a:fld>
             <a:endParaRPr lang="es-PE"/>
           </a:p>
@@ -2681,7 +2681,7 @@
           <a:p>
             <a:fld id="{5E98234E-AB26-F447-9F8E-70572F4B0FD7}" type="datetimeFigureOut">
               <a:rPr lang="es-PE" smtClean="0"/>
-              <a:t>5/05/2024</a:t>
+              <a:t>1/06/2024</a:t>
             </a:fld>
             <a:endParaRPr lang="es-PE"/>
           </a:p>
@@ -2938,7 +2938,7 @@
           <a:p>
             <a:fld id="{5E98234E-AB26-F447-9F8E-70572F4B0FD7}" type="datetimeFigureOut">
               <a:rPr lang="es-PE" smtClean="0"/>
-              <a:t>5/05/2024</a:t>
+              <a:t>1/06/2024</a:t>
             </a:fld>
             <a:endParaRPr lang="es-PE"/>
           </a:p>
@@ -3151,7 +3151,7 @@
           <a:p>
             <a:fld id="{5E98234E-AB26-F447-9F8E-70572F4B0FD7}" type="datetimeFigureOut">
               <a:rPr lang="es-PE" smtClean="0"/>
-              <a:t>5/05/2024</a:t>
+              <a:t>1/06/2024</a:t>
             </a:fld>
             <a:endParaRPr lang="es-PE"/>
           </a:p>
@@ -4946,8 +4946,8 @@
           </a:p>
         </p:txBody>
       </p:sp>
-      <mc:AlternateContent xmlns:mc="http://schemas.openxmlformats.org/markup-compatibility/2006">
-        <mc:Choice xmlns:a14="http://schemas.microsoft.com/office/drawing/2010/main" Requires="a14">
+      <mc:AlternateContent xmlns:mc="http://schemas.openxmlformats.org/markup-compatibility/2006" xmlns:a14="http://schemas.microsoft.com/office/drawing/2010/main">
+        <mc:Choice Requires="a14">
           <p:sp>
             <p:nvSpPr>
               <p:cNvPr id="6" name="CuadroTexto 5">
@@ -5007,6 +5007,7 @@
                 </a:r>
               </a:p>
               <a:p>
+                <a:pPr/>
                 <a14:m>
                   <m:oMathPara xmlns:m="http://schemas.openxmlformats.org/officeDocument/2006/math">
                     <m:oMathParaPr>
@@ -5190,6 +5191,7 @@
                 </a:r>
               </a:p>
               <a:p>
+                <a:pPr/>
                 <a14:m>
                   <m:oMathPara xmlns:m="http://schemas.openxmlformats.org/officeDocument/2006/math">
                     <m:oMathParaPr>
@@ -5543,6 +5545,7 @@
                 </a:r>
               </a:p>
               <a:p>
+                <a:pPr/>
                 <a14:m>
                   <m:oMathPara xmlns:m="http://schemas.openxmlformats.org/officeDocument/2006/math">
                     <m:oMathParaPr>
@@ -5718,7 +5721,7 @@
             </p:txBody>
           </p:sp>
         </mc:Choice>
-        <mc:Fallback>
+        <mc:Fallback xmlns="">
           <p:sp>
             <p:nvSpPr>
               <p:cNvPr id="6" name="CuadroTexto 5">
@@ -6081,8 +6084,8 @@
           </a:p>
         </p:txBody>
       </p:sp>
-      <mc:AlternateContent xmlns:mc="http://schemas.openxmlformats.org/markup-compatibility/2006">
-        <mc:Choice xmlns:a14="http://schemas.microsoft.com/office/drawing/2010/main" Requires="a14">
+      <mc:AlternateContent xmlns:mc="http://schemas.openxmlformats.org/markup-compatibility/2006" xmlns:a14="http://schemas.microsoft.com/office/drawing/2010/main">
+        <mc:Choice Requires="a14">
           <p:sp>
             <p:nvSpPr>
               <p:cNvPr id="6" name="CuadroTexto 5">
@@ -6121,6 +6124,7 @@
                 </a:r>
               </a:p>
               <a:p>
+                <a:pPr/>
                 <a14:m>
                   <m:oMathPara xmlns:m="http://schemas.openxmlformats.org/officeDocument/2006/math">
                     <m:oMathParaPr>
@@ -6213,15 +6217,7 @@
                                   <a:ea typeface="Tahoma" panose="020B0604030504040204" pitchFamily="34" charset="0"/>
                                   <a:cs typeface="Tahoma" panose="020B0604030504040204" pitchFamily="34" charset="0"/>
                                 </a:rPr>
-                                <m:t>1</m:t>
-                              </m:r>
-                              <m:r>
-                                <a:rPr lang="es-MX" sz="2400" b="0" i="1" smtClean="0">
-                                  <a:latin typeface="Cambria Math" panose="02040503050406030204" pitchFamily="18" charset="0"/>
-                                  <a:ea typeface="Tahoma" panose="020B0604030504040204" pitchFamily="34" charset="0"/>
-                                  <a:cs typeface="Tahoma" panose="020B0604030504040204" pitchFamily="34" charset="0"/>
-                                </a:rPr>
-                                <m:t>−</m:t>
+                                <m:t>1−</m:t>
                               </m:r>
                               <m:f>
                                 <m:fPr>
@@ -6331,6 +6327,7 @@
                 </a:r>
               </a:p>
               <a:p>
+                <a:pPr/>
                 <a14:m>
                   <m:oMathPara xmlns:m="http://schemas.openxmlformats.org/officeDocument/2006/math">
                     <m:oMathParaPr>
@@ -6421,15 +6418,7 @@
                                   <a:ea typeface="Tahoma" panose="020B0604030504040204" pitchFamily="34" charset="0"/>
                                   <a:cs typeface="Tahoma" panose="020B0604030504040204" pitchFamily="34" charset="0"/>
                                 </a:rPr>
-                                <m:t>1</m:t>
-                              </m:r>
-                              <m:r>
-                                <a:rPr lang="es-MX" sz="2400" i="1">
-                                  <a:latin typeface="Cambria Math" panose="02040503050406030204" pitchFamily="18" charset="0"/>
-                                  <a:ea typeface="Tahoma" panose="020B0604030504040204" pitchFamily="34" charset="0"/>
-                                  <a:cs typeface="Tahoma" panose="020B0604030504040204" pitchFamily="34" charset="0"/>
-                                </a:rPr>
-                                <m:t>−</m:t>
+                                <m:t>1−</m:t>
                               </m:r>
                               <m:f>
                                 <m:fPr>
@@ -6483,15 +6472,7 @@
                                   <a:ea typeface="Tahoma" panose="020B0604030504040204" pitchFamily="34" charset="0"/>
                                   <a:cs typeface="Tahoma" panose="020B0604030504040204" pitchFamily="34" charset="0"/>
                                 </a:rPr>
-                                <m:t>1</m:t>
-                              </m:r>
-                              <m:r>
-                                <a:rPr lang="es-MX" sz="2400" i="1">
-                                  <a:latin typeface="Cambria Math" panose="02040503050406030204" pitchFamily="18" charset="0"/>
-                                  <a:ea typeface="Tahoma" panose="020B0604030504040204" pitchFamily="34" charset="0"/>
-                                  <a:cs typeface="Tahoma" panose="020B0604030504040204" pitchFamily="34" charset="0"/>
-                                </a:rPr>
-                                <m:t>−</m:t>
+                                <m:t>1−</m:t>
                               </m:r>
                               <m:f>
                                 <m:fPr>
@@ -6637,15 +6618,7 @@
                                   <a:ea typeface="Tahoma" panose="020B0604030504040204" pitchFamily="34" charset="0"/>
                                   <a:cs typeface="Tahoma" panose="020B0604030504040204" pitchFamily="34" charset="0"/>
                                 </a:rPr>
-                                <m:t>1</m:t>
-                              </m:r>
-                              <m:r>
-                                <a:rPr lang="es-MX" sz="2400" i="1">
-                                  <a:latin typeface="Cambria Math" panose="02040503050406030204" pitchFamily="18" charset="0"/>
-                                  <a:ea typeface="Tahoma" panose="020B0604030504040204" pitchFamily="34" charset="0"/>
-                                  <a:cs typeface="Tahoma" panose="020B0604030504040204" pitchFamily="34" charset="0"/>
-                                </a:rPr>
-                                <m:t>−</m:t>
+                                <m:t>1−</m:t>
                               </m:r>
                               <m:f>
                                 <m:fPr>
@@ -6699,15 +6672,7 @@
                                   <a:ea typeface="Tahoma" panose="020B0604030504040204" pitchFamily="34" charset="0"/>
                                   <a:cs typeface="Tahoma" panose="020B0604030504040204" pitchFamily="34" charset="0"/>
                                 </a:rPr>
-                                <m:t>1</m:t>
-                              </m:r>
-                              <m:r>
-                                <a:rPr lang="es-MX" sz="2400" i="1">
-                                  <a:latin typeface="Cambria Math" panose="02040503050406030204" pitchFamily="18" charset="0"/>
-                                  <a:ea typeface="Tahoma" panose="020B0604030504040204" pitchFamily="34" charset="0"/>
-                                  <a:cs typeface="Tahoma" panose="020B0604030504040204" pitchFamily="34" charset="0"/>
-                                </a:rPr>
-                                <m:t>−</m:t>
+                                <m:t>1−</m:t>
                               </m:r>
                               <m:f>
                                 <m:fPr>
@@ -6908,15 +6873,7 @@
                                   <a:ea typeface="Tahoma" panose="020B0604030504040204" pitchFamily="34" charset="0"/>
                                   <a:cs typeface="Tahoma" panose="020B0604030504040204" pitchFamily="34" charset="0"/>
                                 </a:rPr>
-                                <m:t>1</m:t>
-                              </m:r>
-                              <m:r>
-                                <a:rPr lang="es-MX" sz="2400" i="1">
-                                  <a:latin typeface="Cambria Math" panose="02040503050406030204" pitchFamily="18" charset="0"/>
-                                  <a:ea typeface="Tahoma" panose="020B0604030504040204" pitchFamily="34" charset="0"/>
-                                  <a:cs typeface="Tahoma" panose="020B0604030504040204" pitchFamily="34" charset="0"/>
-                                </a:rPr>
-                                <m:t>−</m:t>
+                                <m:t>1−</m:t>
                               </m:r>
                               <m:f>
                                 <m:fPr>
@@ -7015,15 +6972,7 @@
                                       <a:ea typeface="Tahoma" panose="020B0604030504040204" pitchFamily="34" charset="0"/>
                                       <a:cs typeface="Tahoma" panose="020B0604030504040204" pitchFamily="34" charset="0"/>
                                     </a:rPr>
-                                    <m:t>−</m:t>
-                                  </m:r>
-                                  <m:r>
-                                    <a:rPr lang="es-MX" sz="2400" b="0" i="1" smtClean="0">
-                                      <a:latin typeface="Cambria Math" panose="02040503050406030204" pitchFamily="18" charset="0"/>
-                                      <a:ea typeface="Tahoma" panose="020B0604030504040204" pitchFamily="34" charset="0"/>
-                                      <a:cs typeface="Tahoma" panose="020B0604030504040204" pitchFamily="34" charset="0"/>
-                                    </a:rPr>
-                                    <m:t>1</m:t>
+                                    <m:t>−1</m:t>
                                   </m:r>
                                 </m:den>
                               </m:f>
@@ -7092,15 +7041,7 @@
                                           <a:ea typeface="Tahoma" panose="020B0604030504040204" pitchFamily="34" charset="0"/>
                                           <a:cs typeface="Tahoma" panose="020B0604030504040204" pitchFamily="34" charset="0"/>
                                         </a:rPr>
-                                        <m:t>1</m:t>
-                                      </m:r>
-                                      <m:r>
-                                        <a:rPr lang="es-MX" sz="2400" i="1">
-                                          <a:latin typeface="Cambria Math" panose="02040503050406030204" pitchFamily="18" charset="0"/>
-                                          <a:ea typeface="Tahoma" panose="020B0604030504040204" pitchFamily="34" charset="0"/>
-                                          <a:cs typeface="Tahoma" panose="020B0604030504040204" pitchFamily="34" charset="0"/>
-                                        </a:rPr>
-                                        <m:t>−</m:t>
+                                        <m:t>1−</m:t>
                                       </m:r>
                                       <m:acc>
                                         <m:accPr>
@@ -7205,15 +7146,7 @@
                                   <a:ea typeface="Tahoma" panose="020B0604030504040204" pitchFamily="34" charset="0"/>
                                   <a:cs typeface="Tahoma" panose="020B0604030504040204" pitchFamily="34" charset="0"/>
                                 </a:rPr>
-                                <m:t>1</m:t>
-                              </m:r>
-                              <m:r>
-                                <a:rPr lang="es-MX" sz="2400" i="1">
-                                  <a:latin typeface="Cambria Math" panose="02040503050406030204" pitchFamily="18" charset="0"/>
-                                  <a:ea typeface="Tahoma" panose="020B0604030504040204" pitchFamily="34" charset="0"/>
-                                  <a:cs typeface="Tahoma" panose="020B0604030504040204" pitchFamily="34" charset="0"/>
-                                </a:rPr>
-                                <m:t>−</m:t>
+                                <m:t>1−</m:t>
                               </m:r>
                               <m:f>
                                 <m:fPr>
@@ -7312,15 +7245,7 @@
                                       <a:ea typeface="Tahoma" panose="020B0604030504040204" pitchFamily="34" charset="0"/>
                                       <a:cs typeface="Tahoma" panose="020B0604030504040204" pitchFamily="34" charset="0"/>
                                     </a:rPr>
-                                    <m:t>−</m:t>
-                                  </m:r>
-                                  <m:r>
-                                    <a:rPr lang="es-MX" sz="2400" i="1">
-                                      <a:latin typeface="Cambria Math" panose="02040503050406030204" pitchFamily="18" charset="0"/>
-                                      <a:ea typeface="Tahoma" panose="020B0604030504040204" pitchFamily="34" charset="0"/>
-                                      <a:cs typeface="Tahoma" panose="020B0604030504040204" pitchFamily="34" charset="0"/>
-                                    </a:rPr>
-                                    <m:t>1</m:t>
+                                    <m:t>−1</m:t>
                                   </m:r>
                                 </m:den>
                               </m:f>
@@ -7389,15 +7314,7 @@
                                           <a:ea typeface="Tahoma" panose="020B0604030504040204" pitchFamily="34" charset="0"/>
                                           <a:cs typeface="Tahoma" panose="020B0604030504040204" pitchFamily="34" charset="0"/>
                                         </a:rPr>
-                                        <m:t>1</m:t>
-                                      </m:r>
-                                      <m:r>
-                                        <a:rPr lang="es-MX" sz="2400" i="1">
-                                          <a:latin typeface="Cambria Math" panose="02040503050406030204" pitchFamily="18" charset="0"/>
-                                          <a:ea typeface="Tahoma" panose="020B0604030504040204" pitchFamily="34" charset="0"/>
-                                          <a:cs typeface="Tahoma" panose="020B0604030504040204" pitchFamily="34" charset="0"/>
-                                        </a:rPr>
-                                        <m:t>−</m:t>
+                                        <m:t>1−</m:t>
                                       </m:r>
                                       <m:acc>
                                         <m:accPr>
@@ -7451,7 +7368,7 @@
             </p:txBody>
           </p:sp>
         </mc:Choice>
-        <mc:Fallback>
+        <mc:Fallback xmlns="">
           <p:sp>
             <p:nvSpPr>
               <p:cNvPr id="6" name="CuadroTexto 5">
@@ -7814,8 +7731,8 @@
           </a:p>
         </p:txBody>
       </p:sp>
-      <mc:AlternateContent xmlns:mc="http://schemas.openxmlformats.org/markup-compatibility/2006">
-        <mc:Choice xmlns:a14="http://schemas.microsoft.com/office/drawing/2010/main" Requires="a14">
+      <mc:AlternateContent xmlns:mc="http://schemas.openxmlformats.org/markup-compatibility/2006" xmlns:a14="http://schemas.microsoft.com/office/drawing/2010/main">
+        <mc:Choice Requires="a14">
           <p:sp>
             <p:nvSpPr>
               <p:cNvPr id="6" name="CuadroTexto 5">
@@ -8482,7 +8399,7 @@
             </p:txBody>
           </p:sp>
         </mc:Choice>
-        <mc:Fallback>
+        <mc:Fallback xmlns="">
           <p:sp>
             <p:nvSpPr>
               <p:cNvPr id="6" name="CuadroTexto 5">
@@ -8527,8 +8444,8 @@
           </p:sp>
         </mc:Fallback>
       </mc:AlternateContent>
-      <mc:AlternateContent xmlns:mc="http://schemas.openxmlformats.org/markup-compatibility/2006">
-        <mc:Choice xmlns:a14="http://schemas.microsoft.com/office/drawing/2010/main" Requires="a14">
+      <mc:AlternateContent xmlns:mc="http://schemas.openxmlformats.org/markup-compatibility/2006" xmlns:a14="http://schemas.microsoft.com/office/drawing/2010/main">
+        <mc:Choice Requires="a14">
           <p:sp>
             <p:nvSpPr>
               <p:cNvPr id="5" name="CuadroTexto 4">
@@ -8587,6 +8504,7 @@
                 </a:r>
               </a:p>
               <a:p>
+                <a:pPr/>
                 <a14:m>
                   <m:oMathPara xmlns:m="http://schemas.openxmlformats.org/officeDocument/2006/math">
                     <m:oMathParaPr>
@@ -8754,7 +8672,7 @@
             </p:txBody>
           </p:sp>
         </mc:Choice>
-        <mc:Fallback>
+        <mc:Fallback xmlns="">
           <p:sp>
             <p:nvSpPr>
               <p:cNvPr id="5" name="CuadroTexto 4">
@@ -9117,8 +9035,8 @@
           </a:p>
         </p:txBody>
       </p:sp>
-      <mc:AlternateContent xmlns:mc="http://schemas.openxmlformats.org/markup-compatibility/2006">
-        <mc:Choice xmlns:a14="http://schemas.microsoft.com/office/drawing/2010/main" Requires="a14">
+      <mc:AlternateContent xmlns:mc="http://schemas.openxmlformats.org/markup-compatibility/2006" xmlns:a14="http://schemas.microsoft.com/office/drawing/2010/main">
+        <mc:Choice Requires="a14">
           <p:sp>
             <p:nvSpPr>
               <p:cNvPr id="6" name="CuadroTexto 5">
@@ -10020,7 +9938,7 @@
             </p:txBody>
           </p:sp>
         </mc:Choice>
-        <mc:Fallback>
+        <mc:Fallback xmlns="">
           <p:sp>
             <p:nvSpPr>
               <p:cNvPr id="6" name="CuadroTexto 5">
@@ -10065,8 +9983,8 @@
           </p:sp>
         </mc:Fallback>
       </mc:AlternateContent>
-      <mc:AlternateContent xmlns:mc="http://schemas.openxmlformats.org/markup-compatibility/2006">
-        <mc:Choice xmlns:a14="http://schemas.microsoft.com/office/drawing/2010/main" Requires="a14">
+      <mc:AlternateContent xmlns:mc="http://schemas.openxmlformats.org/markup-compatibility/2006" xmlns:a14="http://schemas.microsoft.com/office/drawing/2010/main">
+        <mc:Choice Requires="a14">
           <p:sp>
             <p:nvSpPr>
               <p:cNvPr id="5" name="CuadroTexto 4">
@@ -10324,7 +10242,7 @@
             </p:txBody>
           </p:sp>
         </mc:Choice>
-        <mc:Fallback>
+        <mc:Fallback xmlns="">
           <p:sp>
             <p:nvSpPr>
               <p:cNvPr id="5" name="CuadroTexto 4">
@@ -11315,8 +11233,8 @@
           </a:p>
         </p:txBody>
       </p:sp>
-      <mc:AlternateContent xmlns:mc="http://schemas.openxmlformats.org/markup-compatibility/2006">
-        <mc:Choice xmlns:a14="http://schemas.microsoft.com/office/drawing/2010/main" Requires="a14">
+      <mc:AlternateContent xmlns:mc="http://schemas.openxmlformats.org/markup-compatibility/2006" xmlns:a14="http://schemas.microsoft.com/office/drawing/2010/main">
+        <mc:Choice Requires="a14">
           <p:sp>
             <p:nvSpPr>
               <p:cNvPr id="6" name="CuadroTexto 5">
@@ -11398,6 +11316,7 @@
                 </a:r>
               </a:p>
               <a:p>
+                <a:pPr/>
                 <a14:m>
                   <m:oMathPara xmlns:m="http://schemas.openxmlformats.org/officeDocument/2006/math">
                     <m:oMathParaPr>
@@ -11608,15 +11527,7 @@
                         <a:ea typeface="Tahoma" panose="020B0604030504040204" pitchFamily="34" charset="0"/>
                         <a:cs typeface="Tahoma" panose="020B0604030504040204" pitchFamily="34" charset="0"/>
                       </a:rPr>
-                      <m:t>1</m:t>
-                    </m:r>
-                    <m:r>
-                      <a:rPr lang="es-MX" sz="2400" b="0" i="1" smtClean="0">
-                        <a:latin typeface="Cambria Math" panose="02040503050406030204" pitchFamily="18" charset="0"/>
-                        <a:ea typeface="Tahoma" panose="020B0604030504040204" pitchFamily="34" charset="0"/>
-                        <a:cs typeface="Tahoma" panose="020B0604030504040204" pitchFamily="34" charset="0"/>
-                      </a:rPr>
-                      <m:t>−</m:t>
+                      <m:t>1−</m:t>
                     </m:r>
                     <m:r>
                       <a:rPr lang="es-MX" sz="2400" b="0" i="1" smtClean="0">
@@ -11811,15 +11722,7 @@
                                   <a:ea typeface="Tahoma" panose="020B0604030504040204" pitchFamily="34" charset="0"/>
                                   <a:cs typeface="Tahoma" panose="020B0604030504040204" pitchFamily="34" charset="0"/>
                                 </a:rPr>
-                                <m:t>1</m:t>
-                              </m:r>
-                              <m:r>
-                                <a:rPr lang="es-MX" sz="2400" b="0" i="1" smtClean="0">
-                                  <a:latin typeface="Cambria Math" panose="02040503050406030204" pitchFamily="18" charset="0"/>
-                                  <a:ea typeface="Tahoma" panose="020B0604030504040204" pitchFamily="34" charset="0"/>
-                                  <a:cs typeface="Tahoma" panose="020B0604030504040204" pitchFamily="34" charset="0"/>
-                                </a:rPr>
-                                <m:t>−</m:t>
+                                <m:t>1−</m:t>
                               </m:r>
                               <m:f>
                                 <m:fPr>
@@ -11862,23 +11765,7 @@
                           <a:ea typeface="Tahoma" panose="020B0604030504040204" pitchFamily="34" charset="0"/>
                           <a:cs typeface="Tahoma" panose="020B0604030504040204" pitchFamily="34" charset="0"/>
                         </a:rPr>
-                        <m:t>=</m:t>
-                      </m:r>
-                      <m:r>
-                        <a:rPr lang="es-MX" sz="2400" b="0" i="1" smtClean="0">
-                          <a:latin typeface="Cambria Math" panose="02040503050406030204" pitchFamily="18" charset="0"/>
-                          <a:ea typeface="Tahoma" panose="020B0604030504040204" pitchFamily="34" charset="0"/>
-                          <a:cs typeface="Tahoma" panose="020B0604030504040204" pitchFamily="34" charset="0"/>
-                        </a:rPr>
-                        <m:t>1</m:t>
-                      </m:r>
-                      <m:r>
-                        <a:rPr lang="es-MX" sz="2400" b="0" i="1" smtClean="0">
-                          <a:latin typeface="Cambria Math" panose="02040503050406030204" pitchFamily="18" charset="0"/>
-                          <a:ea typeface="Tahoma" panose="020B0604030504040204" pitchFamily="34" charset="0"/>
-                          <a:cs typeface="Tahoma" panose="020B0604030504040204" pitchFamily="34" charset="0"/>
-                        </a:rPr>
-                        <m:t>−</m:t>
+                        <m:t>=1−</m:t>
                       </m:r>
                       <m:r>
                         <a:rPr lang="es-MX" sz="2400" b="0" i="1" smtClean="0">
@@ -11898,7 +11785,6 @@
                 </a:endParaRPr>
               </a:p>
               <a:p>
-                <a:pPr/>
                 <a:endParaRPr lang="es-MX" sz="2400" dirty="0">
                   <a:latin typeface="Aptos" panose="020B0004020202020204" pitchFamily="34" charset="0"/>
                   <a:ea typeface="Tahoma" panose="020B0604030504040204" pitchFamily="34" charset="0"/>
@@ -11906,7 +11792,6 @@
                 </a:endParaRPr>
               </a:p>
               <a:p>
-                <a:pPr/>
                 <a:r>
                   <a:rPr lang="es-MX" sz="2400" dirty="0">
                     <a:latin typeface="Aptos" panose="020B0004020202020204" pitchFamily="34" charset="0"/>
@@ -11924,7 +11809,7 @@
             </p:txBody>
           </p:sp>
         </mc:Choice>
-        <mc:Fallback>
+        <mc:Fallback xmlns="">
           <p:sp>
             <p:nvSpPr>
               <p:cNvPr id="6" name="CuadroTexto 5">
@@ -12287,8 +12172,8 @@
           </a:p>
         </p:txBody>
       </p:sp>
-      <mc:AlternateContent xmlns:mc="http://schemas.openxmlformats.org/markup-compatibility/2006">
-        <mc:Choice xmlns:a14="http://schemas.microsoft.com/office/drawing/2010/main" Requires="a14">
+      <mc:AlternateContent xmlns:mc="http://schemas.openxmlformats.org/markup-compatibility/2006" xmlns:a14="http://schemas.microsoft.com/office/drawing/2010/main">
+        <mc:Choice Requires="a14">
           <p:sp>
             <p:nvSpPr>
               <p:cNvPr id="6" name="CuadroTexto 5">
@@ -12327,6 +12212,7 @@
                 </a:r>
               </a:p>
               <a:p>
+                <a:pPr/>
                 <a14:m>
                   <m:oMathPara xmlns:m="http://schemas.openxmlformats.org/officeDocument/2006/math">
                     <m:oMathParaPr>
@@ -12429,6 +12315,7 @@
                 </a:r>
               </a:p>
               <a:p>
+                <a:pPr/>
                 <a14:m>
                   <m:oMathPara xmlns:m="http://schemas.openxmlformats.org/officeDocument/2006/math">
                     <m:oMathParaPr>
@@ -12588,6 +12475,7 @@
                 </a:r>
               </a:p>
               <a:p>
+                <a:pPr/>
                 <a14:m>
                   <m:oMathPara xmlns:m="http://schemas.openxmlformats.org/officeDocument/2006/math">
                     <m:oMathParaPr>
@@ -12729,6 +12617,7 @@
                 </a:r>
               </a:p>
               <a:p>
+                <a:pPr/>
                 <a14:m>
                   <m:oMathPara xmlns:m="http://schemas.openxmlformats.org/officeDocument/2006/math">
                     <m:oMathParaPr>
@@ -12809,7 +12698,7 @@
             </p:txBody>
           </p:sp>
         </mc:Choice>
-        <mc:Fallback>
+        <mc:Fallback xmlns="">
           <p:sp>
             <p:nvSpPr>
               <p:cNvPr id="6" name="CuadroTexto 5">
@@ -13172,8 +13061,8 @@
           </a:p>
         </p:txBody>
       </p:sp>
-      <mc:AlternateContent xmlns:mc="http://schemas.openxmlformats.org/markup-compatibility/2006">
-        <mc:Choice xmlns:a14="http://schemas.microsoft.com/office/drawing/2010/main" Requires="a14">
+      <mc:AlternateContent xmlns:mc="http://schemas.openxmlformats.org/markup-compatibility/2006" xmlns:a14="http://schemas.microsoft.com/office/drawing/2010/main">
+        <mc:Choice Requires="a14">
           <p:sp>
             <p:nvSpPr>
               <p:cNvPr id="6" name="CuadroTexto 5">
@@ -13880,6 +13769,7 @@
                 </a:r>
               </a:p>
               <a:p>
+                <a:pPr/>
                 <a14:m>
                   <m:oMathPara xmlns:m="http://schemas.openxmlformats.org/officeDocument/2006/math">
                     <m:oMathParaPr>
@@ -14127,6 +14017,7 @@
                 </a:endParaRPr>
               </a:p>
               <a:p>
+                <a:pPr/>
                 <a14:m>
                   <m:oMathPara xmlns:m="http://schemas.openxmlformats.org/officeDocument/2006/math">
                     <m:oMathParaPr>
@@ -14412,6 +14303,7 @@
                 </a:endParaRPr>
               </a:p>
               <a:p>
+                <a:pPr/>
                 <a14:m>
                   <m:oMathPara xmlns:m="http://schemas.openxmlformats.org/officeDocument/2006/math">
                     <m:oMathParaPr>
@@ -14727,6 +14619,7 @@
                 </a:endParaRPr>
               </a:p>
               <a:p>
+                <a:pPr/>
                 <a14:m>
                   <m:oMathPara xmlns:m="http://schemas.openxmlformats.org/officeDocument/2006/math">
                     <m:oMathParaPr>
@@ -15052,7 +14945,7 @@
             </p:txBody>
           </p:sp>
         </mc:Choice>
-        <mc:Fallback>
+        <mc:Fallback xmlns="">
           <p:sp>
             <p:nvSpPr>
               <p:cNvPr id="6" name="CuadroTexto 5">
@@ -15097,8 +14990,8 @@
           </p:sp>
         </mc:Fallback>
       </mc:AlternateContent>
-      <mc:AlternateContent xmlns:mc="http://schemas.openxmlformats.org/markup-compatibility/2006">
-        <mc:Choice xmlns:a14="http://schemas.microsoft.com/office/drawing/2010/main" Requires="a14">
+      <mc:AlternateContent xmlns:mc="http://schemas.openxmlformats.org/markup-compatibility/2006" xmlns:a14="http://schemas.microsoft.com/office/drawing/2010/main">
+        <mc:Choice Requires="a14">
           <p:sp>
             <p:nvSpPr>
               <p:cNvPr id="5" name="CuadroTexto 4">
@@ -15133,6 +15026,7 @@
                 </a:r>
               </a:p>
               <a:p>
+                <a:pPr/>
                 <a14:m>
                   <m:oMathPara xmlns:m="http://schemas.openxmlformats.org/officeDocument/2006/math">
                     <m:oMathParaPr>
@@ -15241,7 +15135,7 @@
             </p:txBody>
           </p:sp>
         </mc:Choice>
-        <mc:Fallback>
+        <mc:Fallback xmlns="">
           <p:sp>
             <p:nvSpPr>
               <p:cNvPr id="5" name="CuadroTexto 4">
@@ -15652,8 +15546,8 @@
           </a:p>
         </p:txBody>
       </p:sp>
-      <mc:AlternateContent xmlns:mc="http://schemas.openxmlformats.org/markup-compatibility/2006">
-        <mc:Choice xmlns:a14="http://schemas.microsoft.com/office/drawing/2010/main" Requires="a14">
+      <mc:AlternateContent xmlns:mc="http://schemas.openxmlformats.org/markup-compatibility/2006" xmlns:a14="http://schemas.microsoft.com/office/drawing/2010/main">
+        <mc:Choice Requires="a14">
           <p:sp>
             <p:nvSpPr>
               <p:cNvPr id="6" name="CuadroTexto 5">
@@ -15918,15 +15812,7 @@
                               <a:ea typeface="Tahoma" panose="020B0604030504040204" pitchFamily="34" charset="0"/>
                               <a:cs typeface="Tahoma" panose="020B0604030504040204" pitchFamily="34" charset="0"/>
                             </a:rPr>
-                            <m:t> </m:t>
-                          </m:r>
-                          <m:r>
-                            <a:rPr lang="es-MX" sz="2400" b="0" i="1" smtClean="0">
-                              <a:latin typeface="Cambria Math" panose="02040503050406030204" pitchFamily="18" charset="0"/>
-                              <a:ea typeface="Tahoma" panose="020B0604030504040204" pitchFamily="34" charset="0"/>
-                              <a:cs typeface="Tahoma" panose="020B0604030504040204" pitchFamily="34" charset="0"/>
-                            </a:rPr>
-                            <m:t>, </m:t>
+                            <m:t> , </m:t>
                           </m:r>
                           <m:acc>
                             <m:accPr>
@@ -16437,7 +16323,6 @@
                 </a:endParaRPr>
               </a:p>
               <a:p>
-                <a:pPr/>
                 <a:endParaRPr lang="es-MX" sz="2400" dirty="0">
                   <a:latin typeface="Aptos" panose="020B0004020202020204" pitchFamily="34" charset="0"/>
                   <a:ea typeface="Tahoma" panose="020B0604030504040204" pitchFamily="34" charset="0"/>
@@ -16445,7 +16330,6 @@
                 </a:endParaRPr>
               </a:p>
               <a:p>
-                <a:pPr/>
                 <a:r>
                   <a:rPr lang="es-MX" sz="2400" dirty="0">
                     <a:latin typeface="Aptos" panose="020B0004020202020204" pitchFamily="34" charset="0"/>
@@ -16456,6 +16340,7 @@
                 </a:r>
               </a:p>
               <a:p>
+                <a:pPr/>
                 <a14:m>
                   <m:oMathPara xmlns:m="http://schemas.openxmlformats.org/officeDocument/2006/math">
                     <m:oMathParaPr>
@@ -16695,7 +16580,7 @@
             </p:txBody>
           </p:sp>
         </mc:Choice>
-        <mc:Fallback>
+        <mc:Fallback xmlns="">
           <p:sp>
             <p:nvSpPr>
               <p:cNvPr id="6" name="CuadroTexto 5">
@@ -17058,8 +16943,8 @@
           </a:p>
         </p:txBody>
       </p:sp>
-      <mc:AlternateContent xmlns:mc="http://schemas.openxmlformats.org/markup-compatibility/2006">
-        <mc:Choice xmlns:a14="http://schemas.microsoft.com/office/drawing/2010/main" Requires="a14">
+      <mc:AlternateContent xmlns:mc="http://schemas.openxmlformats.org/markup-compatibility/2006" xmlns:a14="http://schemas.microsoft.com/office/drawing/2010/main">
+        <mc:Choice Requires="a14">
           <p:sp>
             <p:nvSpPr>
               <p:cNvPr id="6" name="CuadroTexto 5">
@@ -17559,6 +17444,7 @@
                 </a:r>
               </a:p>
               <a:p>
+                <a:pPr/>
                 <a14:m>
                   <m:oMathPara xmlns:m="http://schemas.openxmlformats.org/officeDocument/2006/math">
                     <m:oMathParaPr>
@@ -17774,7 +17660,6 @@
                 </a:endParaRPr>
               </a:p>
               <a:p>
-                <a:pPr/>
                 <a:endParaRPr lang="es-MX" sz="2400" dirty="0">
                   <a:latin typeface="Aptos" panose="020B0004020202020204" pitchFamily="34" charset="0"/>
                   <a:ea typeface="Tahoma" panose="020B0604030504040204" pitchFamily="34" charset="0"/>
@@ -17946,7 +17831,7 @@
             </p:txBody>
           </p:sp>
         </mc:Choice>
-        <mc:Fallback>
+        <mc:Fallback xmlns="">
           <p:sp>
             <p:nvSpPr>
               <p:cNvPr id="6" name="CuadroTexto 5">
@@ -18309,8 +18194,8 @@
           </a:p>
         </p:txBody>
       </p:sp>
-      <mc:AlternateContent xmlns:mc="http://schemas.openxmlformats.org/markup-compatibility/2006">
-        <mc:Choice xmlns:a14="http://schemas.microsoft.com/office/drawing/2010/main" Requires="a14">
+      <mc:AlternateContent xmlns:mc="http://schemas.openxmlformats.org/markup-compatibility/2006" xmlns:a14="http://schemas.microsoft.com/office/drawing/2010/main">
+        <mc:Choice Requires="a14">
           <p:sp>
             <p:nvSpPr>
               <p:cNvPr id="6" name="CuadroTexto 5">
@@ -18754,7 +18639,7 @@
             </p:txBody>
           </p:sp>
         </mc:Choice>
-        <mc:Fallback>
+        <mc:Fallback xmlns="">
           <p:sp>
             <p:nvSpPr>
               <p:cNvPr id="6" name="CuadroTexto 5">
@@ -19856,6 +19741,15 @@
 </file>
 
 <file path=customXml/item1.xml><?xml version="1.0" encoding="utf-8"?>
+<?mso-contentType ?>
+<FormTemplates xmlns="http://schemas.microsoft.com/sharepoint/v3/contenttype/forms">
+  <Display>DocumentLibraryForm</Display>
+  <Edit>DocumentLibraryForm</Edit>
+  <New>DocumentLibraryForm</New>
+</FormTemplates>
+</file>
+
+<file path=customXml/item2.xml><?xml version="1.0" encoding="utf-8"?>
 <ct:contentTypeSchema xmlns:ct="http://schemas.microsoft.com/office/2006/metadata/contentType" xmlns:ma="http://schemas.microsoft.com/office/2006/metadata/properties/metaAttributes" ct:_="" ma:_="" ma:contentTypeName="Documento" ma:contentTypeID="0x010100A0DA722645386948A5E781933D355791" ma:contentTypeVersion="10" ma:contentTypeDescription="Crear nuevo documento." ma:contentTypeScope="" ma:versionID="7789c5bdc490d5526ce57e11eaa76f0a">
   <xsd:schema xmlns:xsd="http://www.w3.org/2001/XMLSchema" xmlns:xs="http://www.w3.org/2001/XMLSchema" xmlns:p="http://schemas.microsoft.com/office/2006/metadata/properties" xmlns:ns2="9f70d668-eb93-414b-bb88-19630a11f6c8" xmlns:ns3="2710b8ce-afd1-42da-a030-6290307ba83c" targetNamespace="http://schemas.microsoft.com/office/2006/metadata/properties" ma:root="true" ma:fieldsID="60a7dca3ad9d69862cb9aa95177f0938" ns2:_="" ns3:_="">
     <xsd:import namespace="9f70d668-eb93-414b-bb88-19630a11f6c8"/>
@@ -20042,16 +19936,15 @@
 </ct:contentTypeSchema>
 </file>
 
-<file path=customXml/item2.xml><?xml version="1.0" encoding="utf-8"?>
-<?mso-contentType ?>
-<FormTemplates xmlns="http://schemas.microsoft.com/sharepoint/v3/contenttype/forms">
-  <Display>DocumentLibraryForm</Display>
-  <Edit>DocumentLibraryForm</Edit>
-  <New>DocumentLibraryForm</New>
-</FormTemplates>
+<file path=customXml/itemProps1.xml><?xml version="1.0" encoding="utf-8"?>
+<ds:datastoreItem xmlns:ds="http://schemas.openxmlformats.org/officeDocument/2006/customXml" ds:itemID="{81E3832F-9C6D-4E58-B80A-0634F405DA57}">
+  <ds:schemaRefs>
+    <ds:schemaRef ds:uri="http://schemas.microsoft.com/sharepoint/v3/contenttype/forms"/>
+  </ds:schemaRefs>
+</ds:datastoreItem>
 </file>
 
-<file path=customXml/itemProps1.xml><?xml version="1.0" encoding="utf-8"?>
+<file path=customXml/itemProps2.xml><?xml version="1.0" encoding="utf-8"?>
 <ds:datastoreItem xmlns:ds="http://schemas.openxmlformats.org/officeDocument/2006/customXml" ds:itemID="{5647ED47-23CF-40C3-8C39-FFB60823FB6A}">
   <ds:schemaRefs>
     <ds:schemaRef ds:uri="http://schemas.microsoft.com/office/2006/metadata/contentType"/>
@@ -20068,12 +19961,4 @@
     <ds:schemaRef ds:uri="http://schemas.microsoft.com/internal/obd"/>
   </ds:schemaRefs>
 </ds:datastoreItem>
-</file>
-
-<file path=customXml/itemProps2.xml><?xml version="1.0" encoding="utf-8"?>
-<ds:datastoreItem xmlns:ds="http://schemas.openxmlformats.org/officeDocument/2006/customXml" ds:itemID="{81E3832F-9C6D-4E58-B80A-0634F405DA57}">
-  <ds:schemaRefs>
-    <ds:schemaRef ds:uri="http://schemas.microsoft.com/sharepoint/v3/contenttype/forms"/>
-  </ds:schemaRefs>
-</ds:datastoreItem>
 </file>